--- a/MachineLearning/PPT/Ch05NaiveBayes.pptx
+++ b/MachineLearning/PPT/Ch05NaiveBayes.pptx
@@ -235,7 +235,7 @@
           <a:p>
             <a:fld id="{ABD1DD95-2A29-4EE2-B225-52E901FF2496}" type="datetimeFigureOut">
               <a:rPr lang="zh-CN" altLang="en-US" smtClean="0"/>
-              <a:t>2020-1-18</a:t>
+              <a:t>2020-2-21</a:t>
             </a:fld>
             <a:endParaRPr lang="zh-CN" altLang="en-US"/>
           </a:p>
@@ -400,7 +400,7 @@
           <a:p>
             <a:fld id="{67032A47-0651-4271-B9F6-B3977625BE84}" type="datetimeFigureOut">
               <a:rPr lang="zh-CN" altLang="en-US" smtClean="0"/>
-              <a:t>2020-1-18</a:t>
+              <a:t>2020-2-21</a:t>
             </a:fld>
             <a:endParaRPr lang="zh-CN" altLang="en-US"/>
           </a:p>
@@ -2361,7 +2361,7 @@
                 <a:ea typeface="微软雅黑" panose="020B0503020204020204" pitchFamily="34" charset="-122"/>
                 <a:cs typeface="Vrinda" panose="020B0502040204020203" pitchFamily="34" charset="0"/>
               </a:rPr>
-              <a:t>January 18, 2020</a:t>
+              <a:t>February 21, 2020</a:t>
             </a:fld>
             <a:endParaRPr lang="zh-CN" altLang="en-US" sz="1800" b="0" dirty="0">
               <a:solidFill>
@@ -2991,7 +2991,7 @@
                 <a:ea typeface="微软雅黑" panose="020B0503020204020204" pitchFamily="34" charset="-122"/>
                 <a:cs typeface="Vrinda" panose="020B0502040204020203" pitchFamily="34" charset="0"/>
               </a:rPr>
-              <a:t>January 18, 2020</a:t>
+              <a:t>February 21, 2020</a:t>
             </a:fld>
             <a:endParaRPr lang="zh-CN" altLang="en-US" sz="1800" b="0" dirty="0">
               <a:solidFill>
@@ -3955,13 +3955,21 @@
               <a:t>5</a:t>
             </a:r>
             <a:r>
-              <a:rPr lang="zh-CN" altLang="en-US" dirty="0">
+              <a:rPr lang="zh-CN" altLang="en-US">
+                <a:latin typeface="+mn-ea"/>
+                <a:cs typeface="+mn-ea"/>
+                <a:sym typeface="+mn-lt"/>
+              </a:rPr>
+              <a:t>讲 </a:t>
+            </a:r>
+            <a:r>
+              <a:rPr lang="zh-CN" altLang="en-US" b="1">
                 <a:latin typeface="+mn-lt"/>
                 <a:ea typeface="+mn-ea"/>
                 <a:cs typeface="+mn-ea"/>
                 <a:sym typeface="+mn-lt"/>
               </a:rPr>
-              <a:t>课时</a:t>
+              <a:t>朴素</a:t>
             </a:r>
             <a:r>
               <a:rPr lang="zh-CN" altLang="en-US" b="1" dirty="0">
@@ -3970,7 +3978,7 @@
                 <a:cs typeface="+mn-ea"/>
                 <a:sym typeface="+mn-lt"/>
               </a:rPr>
-              <a:t> 朴素贝叶斯</a:t>
+              <a:t>贝叶斯</a:t>
             </a:r>
           </a:p>
         </p:txBody>
@@ -4049,8 +4057,8 @@
           <a:chExt cx="0" cy="0"/>
         </a:xfrm>
       </p:grpSpPr>
-      <mc:AlternateContent xmlns:mc="http://schemas.openxmlformats.org/markup-compatibility/2006">
-        <mc:Choice xmlns:a14="http://schemas.microsoft.com/office/drawing/2010/main" Requires="a14">
+      <mc:AlternateContent xmlns:mc="http://schemas.openxmlformats.org/markup-compatibility/2006" xmlns:a14="http://schemas.microsoft.com/office/drawing/2010/main">
+        <mc:Choice Requires="a14">
           <p:sp>
             <p:nvSpPr>
               <p:cNvPr id="2" name="内容占位符 1">
@@ -4177,7 +4185,7 @@
             </p:txBody>
           </p:sp>
         </mc:Choice>
-        <mc:Fallback>
+        <mc:Fallback xmlns="">
           <p:sp>
             <p:nvSpPr>
               <p:cNvPr id="2" name="内容占位符 1">
@@ -12426,8 +12434,8 @@
           <a:chExt cx="0" cy="0"/>
         </a:xfrm>
       </p:grpSpPr>
-      <mc:AlternateContent xmlns:mc="http://schemas.openxmlformats.org/markup-compatibility/2006">
-        <mc:Choice xmlns:a14="http://schemas.microsoft.com/office/drawing/2010/main" Requires="a14">
+      <mc:AlternateContent xmlns:mc="http://schemas.openxmlformats.org/markup-compatibility/2006" xmlns:a14="http://schemas.microsoft.com/office/drawing/2010/main">
+        <mc:Choice Requires="a14">
           <p:sp>
             <p:nvSpPr>
               <p:cNvPr id="2" name="内容占位符 1">
@@ -13027,15 +13035,7 @@
                         <a:cs typeface="+mn-ea"/>
                         <a:sym typeface="+mn-lt"/>
                       </a:rPr>
-                      <m:t>=</m:t>
-                    </m:r>
-                    <m:r>
-                      <a:rPr lang="en-US" altLang="zh-CN" i="1" dirty="0">
-                        <a:latin typeface="Cambria Math" panose="02040503050406030204" pitchFamily="18" charset="0"/>
-                        <a:cs typeface="+mn-ea"/>
-                        <a:sym typeface="+mn-lt"/>
-                      </a:rPr>
-                      <m:t> </m:t>
+                      <m:t>= </m:t>
                     </m:r>
                     <m:f>
                       <m:fPr>
@@ -13140,7 +13140,7 @@
             </p:txBody>
           </p:sp>
         </mc:Choice>
-        <mc:Fallback>
+        <mc:Fallback xmlns="">
           <p:sp>
             <p:nvSpPr>
               <p:cNvPr id="2" name="内容占位符 1">
@@ -14057,8 +14057,8 @@
           <a:chExt cx="0" cy="0"/>
         </a:xfrm>
       </p:grpSpPr>
-      <mc:AlternateContent xmlns:mc="http://schemas.openxmlformats.org/markup-compatibility/2006">
-        <mc:Choice xmlns:a14="http://schemas.microsoft.com/office/drawing/2010/main" Requires="a14">
+      <mc:AlternateContent xmlns:mc="http://schemas.openxmlformats.org/markup-compatibility/2006" xmlns:a14="http://schemas.microsoft.com/office/drawing/2010/main">
+        <mc:Choice Requires="a14">
           <p:sp>
             <p:nvSpPr>
               <p:cNvPr id="2" name="内容占位符 1">
@@ -14314,8 +14314,8 @@
                       <m:accPr>
                         <m:chr m:val="̂"/>
                         <m:ctrlPr>
-                          <a:rPr lang="zh-CN" altLang="en-US">
-                            <a:latin typeface="+mn-lt"/>
+                          <a:rPr lang="zh-CN" altLang="en-US" i="1">
+                            <a:latin typeface="Cambria Math" panose="02040503050406030204" pitchFamily="18" charset="0"/>
                             <a:ea typeface="+mn-ea"/>
                             <a:cs typeface="+mn-ea"/>
                             <a:sym typeface="+mn-lt"/>
@@ -14328,7 +14328,7 @@
                             <m:sty m:val="p"/>
                           </m:rPr>
                           <a:rPr lang="en-US" altLang="zh-CN">
-                            <a:latin typeface="+mn-lt"/>
+                            <a:latin typeface="Cambria Math" panose="02040503050406030204" pitchFamily="18" charset="0"/>
                             <a:ea typeface="+mn-ea"/>
                             <a:cs typeface="+mn-ea"/>
                             <a:sym typeface="+mn-lt"/>
@@ -14354,8 +14354,8 @@
                       <m:accPr>
                         <m:chr m:val="̂"/>
                         <m:ctrlPr>
-                          <a:rPr lang="zh-CN" altLang="en-US">
-                            <a:latin typeface="+mn-lt"/>
+                          <a:rPr lang="zh-CN" altLang="en-US" i="1">
+                            <a:latin typeface="Cambria Math" panose="02040503050406030204" pitchFamily="18" charset="0"/>
                             <a:ea typeface="+mn-ea"/>
                             <a:cs typeface="+mn-ea"/>
                             <a:sym typeface="+mn-lt"/>
@@ -14368,7 +14368,7 @@
                             <m:sty m:val="p"/>
                           </m:rPr>
                           <a:rPr lang="en-US" altLang="zh-CN">
-                            <a:latin typeface="+mn-lt"/>
+                            <a:latin typeface="Cambria Math" panose="02040503050406030204" pitchFamily="18" charset="0"/>
                             <a:ea typeface="+mn-ea"/>
                             <a:cs typeface="+mn-ea"/>
                             <a:sym typeface="+mn-lt"/>
@@ -14379,7 +14379,7 @@
                     </m:acc>
                     <m:r>
                       <a:rPr lang="en-US" altLang="zh-CN">
-                        <a:latin typeface="+mn-lt"/>
+                        <a:latin typeface="Cambria Math" panose="02040503050406030204" pitchFamily="18" charset="0"/>
                         <a:ea typeface="+mn-ea"/>
                         <a:cs typeface="+mn-ea"/>
                         <a:sym typeface="+mn-lt"/>
@@ -14494,7 +14494,7 @@
             </p:txBody>
           </p:sp>
         </mc:Choice>
-        <mc:Fallback>
+        <mc:Fallback xmlns="">
           <p:sp>
             <p:nvSpPr>
               <p:cNvPr id="2" name="内容占位符 1">
@@ -16233,8 +16233,8 @@
           <a:chExt cx="0" cy="0"/>
         </a:xfrm>
       </p:grpSpPr>
-      <mc:AlternateContent xmlns:mc="http://schemas.openxmlformats.org/markup-compatibility/2006">
-        <mc:Choice xmlns:a14="http://schemas.microsoft.com/office/drawing/2010/main" Requires="a14">
+      <mc:AlternateContent xmlns:mc="http://schemas.openxmlformats.org/markup-compatibility/2006" xmlns:a14="http://schemas.microsoft.com/office/drawing/2010/main">
+        <mc:Choice Requires="a14">
           <p:sp>
             <p:nvSpPr>
               <p:cNvPr id="2" name="内容占位符 1">
@@ -16361,7 +16361,7 @@
             </p:txBody>
           </p:sp>
         </mc:Choice>
-        <mc:Fallback>
+        <mc:Fallback xmlns="">
           <p:sp>
             <p:nvSpPr>
               <p:cNvPr id="2" name="内容占位符 1">
